--- a/presentation/CSML-1010-Group 20-project milestone 2.pptx
+++ b/presentation/CSML-1010-Group 20-project milestone 2.pptx
@@ -5,7 +5,7 @@
     <p:sldMasterId id="2147483701" r:id="rId1"/>
   </p:sldMasterIdLst>
   <p:notesMasterIdLst>
-    <p:notesMasterId r:id="rId53"/>
+    <p:notesMasterId r:id="rId54"/>
   </p:notesMasterIdLst>
   <p:sldIdLst>
     <p:sldId id="256" r:id="rId2"/>
@@ -59,6 +59,7 @@
     <p:sldId id="306" r:id="rId50"/>
     <p:sldId id="307" r:id="rId51"/>
     <p:sldId id="308" r:id="rId52"/>
+    <p:sldId id="309" r:id="rId53"/>
   </p:sldIdLst>
   <p:sldSz cx="12192000" cy="6858000"/>
   <p:notesSz cx="6858000" cy="9144000"/>
@@ -247,7 +248,7 @@
           <a:p>
             <a:fld id="{B85DE7F0-AE7F-4578-8460-8A4D1D5C07D1}" type="datetimeFigureOut">
               <a:rPr lang="en-CA" smtClean="0"/>
-              <a:t>2020-05-05</a:t>
+              <a:t>2020-05-06</a:t>
             </a:fld>
             <a:endParaRPr lang="en-CA"/>
           </a:p>
@@ -1260,7 +1261,7 @@
           <a:p>
             <a:fld id="{4CC73EE9-91A7-4958-93D0-37A53DFBBE96}" type="datetime1">
               <a:rPr lang="en-CA" smtClean="0"/>
-              <a:t>2020-05-05</a:t>
+              <a:t>2020-05-06</a:t>
             </a:fld>
             <a:endParaRPr lang="en-CA"/>
           </a:p>
@@ -1531,7 +1532,7 @@
           <a:p>
             <a:fld id="{C2BC94A3-977C-44D0-A555-1EDC4CEC8DC6}" type="datetime1">
               <a:rPr lang="en-CA" smtClean="0"/>
-              <a:t>2020-05-05</a:t>
+              <a:t>2020-05-06</a:t>
             </a:fld>
             <a:endParaRPr lang="en-CA"/>
           </a:p>
@@ -1845,7 +1846,7 @@
           <a:p>
             <a:fld id="{A31AF5F5-F52E-41B0-9592-B433E56CDC27}" type="datetime1">
               <a:rPr lang="en-CA" smtClean="0"/>
-              <a:t>2020-05-05</a:t>
+              <a:t>2020-05-06</a:t>
             </a:fld>
             <a:endParaRPr lang="en-CA"/>
           </a:p>
@@ -2178,7 +2179,7 @@
           <a:p>
             <a:fld id="{1FFADB20-F4C4-415E-B2EE-B1658CEF21B8}" type="datetime1">
               <a:rPr lang="en-CA" smtClean="0"/>
-              <a:t>2020-05-05</a:t>
+              <a:t>2020-05-06</a:t>
             </a:fld>
             <a:endParaRPr lang="en-CA"/>
           </a:p>
@@ -2492,7 +2493,7 @@
           <a:p>
             <a:fld id="{24DB65F3-A6BD-45D6-8ADF-C571A880EA13}" type="datetime1">
               <a:rPr lang="en-CA" smtClean="0"/>
-              <a:t>2020-05-05</a:t>
+              <a:t>2020-05-06</a:t>
             </a:fld>
             <a:endParaRPr lang="en-CA"/>
           </a:p>
@@ -2885,7 +2886,7 @@
           <a:p>
             <a:fld id="{03FAA9A4-3466-473A-B575-599BA286318F}" type="datetime1">
               <a:rPr lang="en-CA" smtClean="0"/>
-              <a:t>2020-05-05</a:t>
+              <a:t>2020-05-06</a:t>
             </a:fld>
             <a:endParaRPr lang="en-CA"/>
           </a:p>
@@ -3055,7 +3056,7 @@
           <a:p>
             <a:fld id="{85BE4A4B-00E7-45A4-B459-25C9DAC8EDFB}" type="datetime1">
               <a:rPr lang="en-CA" smtClean="0"/>
-              <a:t>2020-05-05</a:t>
+              <a:t>2020-05-06</a:t>
             </a:fld>
             <a:endParaRPr lang="en-CA"/>
           </a:p>
@@ -3235,7 +3236,7 @@
           <a:p>
             <a:fld id="{8038F087-A3E1-4D35-A658-2061BD73A05B}" type="datetime1">
               <a:rPr lang="en-CA" smtClean="0"/>
-              <a:t>2020-05-05</a:t>
+              <a:t>2020-05-06</a:t>
             </a:fld>
             <a:endParaRPr lang="en-CA"/>
           </a:p>
@@ -3411,7 +3412,7 @@
           <a:p>
             <a:fld id="{472D3EFD-47C4-42E0-938A-5576AF368778}" type="datetime1">
               <a:rPr lang="en-CA" smtClean="0"/>
-              <a:t>2020-05-05</a:t>
+              <a:t>2020-05-06</a:t>
             </a:fld>
             <a:endParaRPr lang="en-CA"/>
           </a:p>
@@ -3690,7 +3691,7 @@
           <a:p>
             <a:fld id="{161A650D-1E34-4C51-8FEE-6C62E9763540}" type="datetime1">
               <a:rPr lang="en-CA" smtClean="0"/>
-              <a:t>2020-05-05</a:t>
+              <a:t>2020-05-06</a:t>
             </a:fld>
             <a:endParaRPr lang="en-CA"/>
           </a:p>
@@ -3922,7 +3923,7 @@
           <a:p>
             <a:fld id="{2FDD4DF9-54F4-4B1F-883E-7DA5F4E55976}" type="datetime1">
               <a:rPr lang="en-CA" smtClean="0"/>
-              <a:t>2020-05-05</a:t>
+              <a:t>2020-05-06</a:t>
             </a:fld>
             <a:endParaRPr lang="en-CA"/>
           </a:p>
@@ -4296,7 +4297,7 @@
           <a:p>
             <a:fld id="{3198FCC9-7617-4900-BE5A-E28D68814A76}" type="datetime1">
               <a:rPr lang="en-CA" smtClean="0"/>
-              <a:t>2020-05-05</a:t>
+              <a:t>2020-05-06</a:t>
             </a:fld>
             <a:endParaRPr lang="en-CA"/>
           </a:p>
@@ -4419,7 +4420,7 @@
           <a:p>
             <a:fld id="{5299BB6D-FFD4-448E-988A-00D606BC18D1}" type="datetime1">
               <a:rPr lang="en-CA" smtClean="0"/>
-              <a:t>2020-05-05</a:t>
+              <a:t>2020-05-06</a:t>
             </a:fld>
             <a:endParaRPr lang="en-CA"/>
           </a:p>
@@ -4514,7 +4515,7 @@
           <a:p>
             <a:fld id="{85760082-4D84-4F6B-80E4-6E9242F55194}" type="datetime1">
               <a:rPr lang="en-CA" smtClean="0"/>
-              <a:t>2020-05-05</a:t>
+              <a:t>2020-05-06</a:t>
             </a:fld>
             <a:endParaRPr lang="en-CA"/>
           </a:p>
@@ -4769,7 +4770,7 @@
           <a:p>
             <a:fld id="{4B6DAC70-F10C-4F2C-88E2-897E0B50CA10}" type="datetime1">
               <a:rPr lang="en-CA" smtClean="0"/>
-              <a:t>2020-05-05</a:t>
+              <a:t>2020-05-06</a:t>
             </a:fld>
             <a:endParaRPr lang="en-CA"/>
           </a:p>
@@ -5074,7 +5075,7 @@
           <a:p>
             <a:fld id="{15300159-0FDF-4A0D-A9FF-EFBD2FB35418}" type="datetime1">
               <a:rPr lang="en-CA" smtClean="0"/>
-              <a:t>2020-05-05</a:t>
+              <a:t>2020-05-06</a:t>
             </a:fld>
             <a:endParaRPr lang="en-CA"/>
           </a:p>
@@ -5776,7 +5777,7 @@
           <a:p>
             <a:fld id="{1CAC4B2A-ADF1-4AA0-B601-CA7BC98B188E}" type="datetime1">
               <a:rPr lang="en-CA" smtClean="0"/>
-              <a:t>2020-05-05</a:t>
+              <a:t>2020-05-06</a:t>
             </a:fld>
             <a:endParaRPr lang="en-CA"/>
           </a:p>
@@ -6886,7 +6887,7 @@
 </file>
 
 <file path=ppt/slides/slide12.xml><?xml version="1.0" encoding="utf-8"?>
-<p:sld xmlns:a="http://schemas.openxmlformats.org/drawingml/2006/main" xmlns:r="http://schemas.openxmlformats.org/officeDocument/2006/relationships" xmlns:p="http://schemas.openxmlformats.org/presentationml/2006/main">
+<p:sld xmlns:a="http://schemas.openxmlformats.org/drawingml/2006/main" xmlns:r="http://schemas.openxmlformats.org/officeDocument/2006/relationships" xmlns:p="http://schemas.openxmlformats.org/presentationml/2006/main" show="0">
   <p:cSld>
     <p:spTree>
       <p:nvGrpSpPr>
@@ -7068,7 +7069,7 @@
 </file>
 
 <file path=ppt/slides/slide13.xml><?xml version="1.0" encoding="utf-8"?>
-<p:sld xmlns:a="http://schemas.openxmlformats.org/drawingml/2006/main" xmlns:r="http://schemas.openxmlformats.org/officeDocument/2006/relationships" xmlns:p="http://schemas.openxmlformats.org/presentationml/2006/main">
+<p:sld xmlns:a="http://schemas.openxmlformats.org/drawingml/2006/main" xmlns:r="http://schemas.openxmlformats.org/officeDocument/2006/relationships" xmlns:p="http://schemas.openxmlformats.org/presentationml/2006/main" show="0">
   <p:cSld>
     <p:spTree>
       <p:nvGrpSpPr>
@@ -7431,7 +7432,7 @@
 </file>
 
 <file path=ppt/slides/slide14.xml><?xml version="1.0" encoding="utf-8"?>
-<p:sld xmlns:a="http://schemas.openxmlformats.org/drawingml/2006/main" xmlns:r="http://schemas.openxmlformats.org/officeDocument/2006/relationships" xmlns:p="http://schemas.openxmlformats.org/presentationml/2006/main">
+<p:sld xmlns:a="http://schemas.openxmlformats.org/drawingml/2006/main" xmlns:r="http://schemas.openxmlformats.org/officeDocument/2006/relationships" xmlns:p="http://schemas.openxmlformats.org/presentationml/2006/main" show="0">
   <p:cSld>
     <p:spTree>
       <p:nvGrpSpPr>
@@ -8035,7 +8036,7 @@
 </file>
 
 <file path=ppt/slides/slide15.xml><?xml version="1.0" encoding="utf-8"?>
-<p:sld xmlns:a="http://schemas.openxmlformats.org/drawingml/2006/main" xmlns:r="http://schemas.openxmlformats.org/officeDocument/2006/relationships" xmlns:p="http://schemas.openxmlformats.org/presentationml/2006/main">
+<p:sld xmlns:a="http://schemas.openxmlformats.org/drawingml/2006/main" xmlns:r="http://schemas.openxmlformats.org/officeDocument/2006/relationships" xmlns:p="http://schemas.openxmlformats.org/presentationml/2006/main" show="0">
   <p:cSld>
     <p:spTree>
       <p:nvGrpSpPr>
@@ -8249,7 +8250,7 @@
 </file>
 
 <file path=ppt/slides/slide16.xml><?xml version="1.0" encoding="utf-8"?>
-<p:sld xmlns:a="http://schemas.openxmlformats.org/drawingml/2006/main" xmlns:r="http://schemas.openxmlformats.org/officeDocument/2006/relationships" xmlns:p="http://schemas.openxmlformats.org/presentationml/2006/main">
+<p:sld xmlns:a="http://schemas.openxmlformats.org/drawingml/2006/main" xmlns:r="http://schemas.openxmlformats.org/officeDocument/2006/relationships" xmlns:p="http://schemas.openxmlformats.org/presentationml/2006/main" show="0">
   <p:cSld>
     <p:spTree>
       <p:nvGrpSpPr>
@@ -8853,7 +8854,7 @@
 </file>
 
 <file path=ppt/slides/slide17.xml><?xml version="1.0" encoding="utf-8"?>
-<p:sld xmlns:a="http://schemas.openxmlformats.org/drawingml/2006/main" xmlns:r="http://schemas.openxmlformats.org/officeDocument/2006/relationships" xmlns:p="http://schemas.openxmlformats.org/presentationml/2006/main">
+<p:sld xmlns:a="http://schemas.openxmlformats.org/drawingml/2006/main" xmlns:r="http://schemas.openxmlformats.org/officeDocument/2006/relationships" xmlns:p="http://schemas.openxmlformats.org/presentationml/2006/main" show="0">
   <p:cSld>
     <p:spTree>
       <p:nvGrpSpPr>
@@ -9067,7 +9068,7 @@
 </file>
 
 <file path=ppt/slides/slide18.xml><?xml version="1.0" encoding="utf-8"?>
-<p:sld xmlns:a="http://schemas.openxmlformats.org/drawingml/2006/main" xmlns:r="http://schemas.openxmlformats.org/officeDocument/2006/relationships" xmlns:p="http://schemas.openxmlformats.org/presentationml/2006/main">
+<p:sld xmlns:a="http://schemas.openxmlformats.org/drawingml/2006/main" xmlns:r="http://schemas.openxmlformats.org/officeDocument/2006/relationships" xmlns:p="http://schemas.openxmlformats.org/presentationml/2006/main" show="0">
   <p:cSld>
     <p:spTree>
       <p:nvGrpSpPr>
@@ -9686,7 +9687,7 @@
 </file>
 
 <file path=ppt/slides/slide19.xml><?xml version="1.0" encoding="utf-8"?>
-<p:sld xmlns:a="http://schemas.openxmlformats.org/drawingml/2006/main" xmlns:r="http://schemas.openxmlformats.org/officeDocument/2006/relationships" xmlns:p="http://schemas.openxmlformats.org/presentationml/2006/main">
+<p:sld xmlns:a="http://schemas.openxmlformats.org/drawingml/2006/main" xmlns:r="http://schemas.openxmlformats.org/officeDocument/2006/relationships" xmlns:p="http://schemas.openxmlformats.org/presentationml/2006/main" show="0">
   <p:cSld>
     <p:spTree>
       <p:nvGrpSpPr>
@@ -10145,7 +10146,7 @@
 </file>
 
 <file path=ppt/slides/slide20.xml><?xml version="1.0" encoding="utf-8"?>
-<p:sld xmlns:a="http://schemas.openxmlformats.org/drawingml/2006/main" xmlns:r="http://schemas.openxmlformats.org/officeDocument/2006/relationships" xmlns:p="http://schemas.openxmlformats.org/presentationml/2006/main">
+<p:sld xmlns:a="http://schemas.openxmlformats.org/drawingml/2006/main" xmlns:r="http://schemas.openxmlformats.org/officeDocument/2006/relationships" xmlns:p="http://schemas.openxmlformats.org/presentationml/2006/main" show="0">
   <p:cSld>
     <p:spTree>
       <p:nvGrpSpPr>
@@ -10761,7 +10762,7 @@
 </file>
 
 <file path=ppt/slides/slide21.xml><?xml version="1.0" encoding="utf-8"?>
-<p:sld xmlns:a="http://schemas.openxmlformats.org/drawingml/2006/main" xmlns:r="http://schemas.openxmlformats.org/officeDocument/2006/relationships" xmlns:p="http://schemas.openxmlformats.org/presentationml/2006/main">
+<p:sld xmlns:a="http://schemas.openxmlformats.org/drawingml/2006/main" xmlns:r="http://schemas.openxmlformats.org/officeDocument/2006/relationships" xmlns:p="http://schemas.openxmlformats.org/presentationml/2006/main" show="0">
   <p:cSld>
     <p:spTree>
       <p:nvGrpSpPr>
@@ -11377,7 +11378,7 @@
 </file>
 
 <file path=ppt/slides/slide22.xml><?xml version="1.0" encoding="utf-8"?>
-<p:sld xmlns:a="http://schemas.openxmlformats.org/drawingml/2006/main" xmlns:r="http://schemas.openxmlformats.org/officeDocument/2006/relationships" xmlns:p="http://schemas.openxmlformats.org/presentationml/2006/main">
+<p:sld xmlns:a="http://schemas.openxmlformats.org/drawingml/2006/main" xmlns:r="http://schemas.openxmlformats.org/officeDocument/2006/relationships" xmlns:p="http://schemas.openxmlformats.org/presentationml/2006/main" show="0">
   <p:cSld>
     <p:spTree>
       <p:nvGrpSpPr>
@@ -12046,7 +12047,7 @@
 </file>
 
 <file path=ppt/slides/slide23.xml><?xml version="1.0" encoding="utf-8"?>
-<p:sld xmlns:a="http://schemas.openxmlformats.org/drawingml/2006/main" xmlns:r="http://schemas.openxmlformats.org/officeDocument/2006/relationships" xmlns:p="http://schemas.openxmlformats.org/presentationml/2006/main">
+<p:sld xmlns:a="http://schemas.openxmlformats.org/drawingml/2006/main" xmlns:r="http://schemas.openxmlformats.org/officeDocument/2006/relationships" xmlns:p="http://schemas.openxmlformats.org/presentationml/2006/main" show="0">
   <p:cSld>
     <p:spTree>
       <p:nvGrpSpPr>
@@ -12572,7 +12573,7 @@
 </file>
 
 <file path=ppt/slides/slide24.xml><?xml version="1.0" encoding="utf-8"?>
-<p:sld xmlns:a="http://schemas.openxmlformats.org/drawingml/2006/main" xmlns:r="http://schemas.openxmlformats.org/officeDocument/2006/relationships" xmlns:p="http://schemas.openxmlformats.org/presentationml/2006/main">
+<p:sld xmlns:a="http://schemas.openxmlformats.org/drawingml/2006/main" xmlns:r="http://schemas.openxmlformats.org/officeDocument/2006/relationships" xmlns:p="http://schemas.openxmlformats.org/presentationml/2006/main" show="0">
   <p:cSld>
     <p:spTree>
       <p:nvGrpSpPr>
@@ -13070,7 +13071,7 @@
 </file>
 
 <file path=ppt/slides/slide25.xml><?xml version="1.0" encoding="utf-8"?>
-<p:sld xmlns:a="http://schemas.openxmlformats.org/drawingml/2006/main" xmlns:r="http://schemas.openxmlformats.org/officeDocument/2006/relationships" xmlns:p="http://schemas.openxmlformats.org/presentationml/2006/main">
+<p:sld xmlns:a="http://schemas.openxmlformats.org/drawingml/2006/main" xmlns:r="http://schemas.openxmlformats.org/officeDocument/2006/relationships" xmlns:p="http://schemas.openxmlformats.org/presentationml/2006/main" show="0">
   <p:cSld>
     <p:spTree>
       <p:nvGrpSpPr>
@@ -13284,7 +13285,7 @@
 </file>
 
 <file path=ppt/slides/slide26.xml><?xml version="1.0" encoding="utf-8"?>
-<p:sld xmlns:a="http://schemas.openxmlformats.org/drawingml/2006/main" xmlns:r="http://schemas.openxmlformats.org/officeDocument/2006/relationships" xmlns:p="http://schemas.openxmlformats.org/presentationml/2006/main">
+<p:sld xmlns:a="http://schemas.openxmlformats.org/drawingml/2006/main" xmlns:r="http://schemas.openxmlformats.org/officeDocument/2006/relationships" xmlns:p="http://schemas.openxmlformats.org/presentationml/2006/main" show="0">
   <p:cSld>
     <p:spTree>
       <p:nvGrpSpPr>
@@ -13961,7 +13962,7 @@
 </file>
 
 <file path=ppt/slides/slide27.xml><?xml version="1.0" encoding="utf-8"?>
-<p:sld xmlns:a="http://schemas.openxmlformats.org/drawingml/2006/main" xmlns:r="http://schemas.openxmlformats.org/officeDocument/2006/relationships" xmlns:p="http://schemas.openxmlformats.org/presentationml/2006/main">
+<p:sld xmlns:a="http://schemas.openxmlformats.org/drawingml/2006/main" xmlns:r="http://schemas.openxmlformats.org/officeDocument/2006/relationships" xmlns:p="http://schemas.openxmlformats.org/presentationml/2006/main" show="0">
   <p:cSld>
     <p:spTree>
       <p:nvGrpSpPr>
@@ -14417,7 +14418,7 @@
 </file>
 
 <file path=ppt/slides/slide28.xml><?xml version="1.0" encoding="utf-8"?>
-<p:sld xmlns:a="http://schemas.openxmlformats.org/drawingml/2006/main" xmlns:r="http://schemas.openxmlformats.org/officeDocument/2006/relationships" xmlns:p="http://schemas.openxmlformats.org/presentationml/2006/main">
+<p:sld xmlns:a="http://schemas.openxmlformats.org/drawingml/2006/main" xmlns:r="http://schemas.openxmlformats.org/officeDocument/2006/relationships" xmlns:p="http://schemas.openxmlformats.org/presentationml/2006/main" show="0">
   <p:cSld>
     <p:spTree>
       <p:nvGrpSpPr>
@@ -15203,7 +15204,7 @@
 </file>
 
 <file path=ppt/slides/slide29.xml><?xml version="1.0" encoding="utf-8"?>
-<p:sld xmlns:a="http://schemas.openxmlformats.org/drawingml/2006/main" xmlns:r="http://schemas.openxmlformats.org/officeDocument/2006/relationships" xmlns:p="http://schemas.openxmlformats.org/presentationml/2006/main">
+<p:sld xmlns:a="http://schemas.openxmlformats.org/drawingml/2006/main" xmlns:r="http://schemas.openxmlformats.org/officeDocument/2006/relationships" xmlns:p="http://schemas.openxmlformats.org/presentationml/2006/main" show="0">
   <p:cSld>
     <p:spTree>
       <p:nvGrpSpPr>
@@ -15796,7 +15797,7 @@
 </file>
 
 <file path=ppt/slides/slide30.xml><?xml version="1.0" encoding="utf-8"?>
-<p:sld xmlns:a="http://schemas.openxmlformats.org/drawingml/2006/main" xmlns:r="http://schemas.openxmlformats.org/officeDocument/2006/relationships" xmlns:p="http://schemas.openxmlformats.org/presentationml/2006/main">
+<p:sld xmlns:a="http://schemas.openxmlformats.org/drawingml/2006/main" xmlns:r="http://schemas.openxmlformats.org/officeDocument/2006/relationships" xmlns:p="http://schemas.openxmlformats.org/presentationml/2006/main" show="0">
   <p:cSld>
     <p:spTree>
       <p:nvGrpSpPr>
@@ -16122,7 +16123,7 @@
 </file>
 
 <file path=ppt/slides/slide31.xml><?xml version="1.0" encoding="utf-8"?>
-<p:sld xmlns:a="http://schemas.openxmlformats.org/drawingml/2006/main" xmlns:r="http://schemas.openxmlformats.org/officeDocument/2006/relationships" xmlns:p="http://schemas.openxmlformats.org/presentationml/2006/main">
+<p:sld xmlns:a="http://schemas.openxmlformats.org/drawingml/2006/main" xmlns:r="http://schemas.openxmlformats.org/officeDocument/2006/relationships" xmlns:p="http://schemas.openxmlformats.org/presentationml/2006/main" show="0">
   <p:cSld>
     <p:spTree>
       <p:nvGrpSpPr>
@@ -16448,7 +16449,7 @@
 </file>
 
 <file path=ppt/slides/slide32.xml><?xml version="1.0" encoding="utf-8"?>
-<p:sld xmlns:a="http://schemas.openxmlformats.org/drawingml/2006/main" xmlns:r="http://schemas.openxmlformats.org/officeDocument/2006/relationships" xmlns:p="http://schemas.openxmlformats.org/presentationml/2006/main">
+<p:sld xmlns:a="http://schemas.openxmlformats.org/drawingml/2006/main" xmlns:r="http://schemas.openxmlformats.org/officeDocument/2006/relationships" xmlns:p="http://schemas.openxmlformats.org/presentationml/2006/main" show="0">
   <p:cSld>
     <p:spTree>
       <p:nvGrpSpPr>
@@ -16774,7 +16775,7 @@
 </file>
 
 <file path=ppt/slides/slide33.xml><?xml version="1.0" encoding="utf-8"?>
-<p:sld xmlns:a="http://schemas.openxmlformats.org/drawingml/2006/main" xmlns:r="http://schemas.openxmlformats.org/officeDocument/2006/relationships" xmlns:p="http://schemas.openxmlformats.org/presentationml/2006/main">
+<p:sld xmlns:a="http://schemas.openxmlformats.org/drawingml/2006/main" xmlns:r="http://schemas.openxmlformats.org/officeDocument/2006/relationships" xmlns:p="http://schemas.openxmlformats.org/presentationml/2006/main" show="0">
   <p:cSld>
     <p:spTree>
       <p:nvGrpSpPr>
@@ -17522,7 +17523,7 @@
 </file>
 
 <file path=ppt/slides/slide34.xml><?xml version="1.0" encoding="utf-8"?>
-<p:sld xmlns:a="http://schemas.openxmlformats.org/drawingml/2006/main" xmlns:r="http://schemas.openxmlformats.org/officeDocument/2006/relationships" xmlns:p="http://schemas.openxmlformats.org/presentationml/2006/main">
+<p:sld xmlns:a="http://schemas.openxmlformats.org/drawingml/2006/main" xmlns:r="http://schemas.openxmlformats.org/officeDocument/2006/relationships" xmlns:p="http://schemas.openxmlformats.org/presentationml/2006/main" show="0">
   <p:cSld>
     <p:spTree>
       <p:nvGrpSpPr>
@@ -17730,7 +17731,7 @@
 </file>
 
 <file path=ppt/slides/slide35.xml><?xml version="1.0" encoding="utf-8"?>
-<p:sld xmlns:a="http://schemas.openxmlformats.org/drawingml/2006/main" xmlns:r="http://schemas.openxmlformats.org/officeDocument/2006/relationships" xmlns:p="http://schemas.openxmlformats.org/presentationml/2006/main">
+<p:sld xmlns:a="http://schemas.openxmlformats.org/drawingml/2006/main" xmlns:r="http://schemas.openxmlformats.org/officeDocument/2006/relationships" xmlns:p="http://schemas.openxmlformats.org/presentationml/2006/main" show="0">
   <p:cSld>
     <p:spTree>
       <p:nvGrpSpPr>
@@ -18394,7 +18395,7 @@
 </file>
 
 <file path=ppt/slides/slide36.xml><?xml version="1.0" encoding="utf-8"?>
-<p:sld xmlns:a="http://schemas.openxmlformats.org/drawingml/2006/main" xmlns:r="http://schemas.openxmlformats.org/officeDocument/2006/relationships" xmlns:p="http://schemas.openxmlformats.org/presentationml/2006/main">
+<p:sld xmlns:a="http://schemas.openxmlformats.org/drawingml/2006/main" xmlns:r="http://schemas.openxmlformats.org/officeDocument/2006/relationships" xmlns:p="http://schemas.openxmlformats.org/presentationml/2006/main" show="0">
   <p:cSld>
     <p:spTree>
       <p:nvGrpSpPr>
@@ -18881,7 +18882,7 @@
 </file>
 
 <file path=ppt/slides/slide37.xml><?xml version="1.0" encoding="utf-8"?>
-<p:sld xmlns:a="http://schemas.openxmlformats.org/drawingml/2006/main" xmlns:r="http://schemas.openxmlformats.org/officeDocument/2006/relationships" xmlns:p="http://schemas.openxmlformats.org/presentationml/2006/main">
+<p:sld xmlns:a="http://schemas.openxmlformats.org/drawingml/2006/main" xmlns:r="http://schemas.openxmlformats.org/officeDocument/2006/relationships" xmlns:p="http://schemas.openxmlformats.org/presentationml/2006/main" show="0">
   <p:cSld>
     <p:spTree>
       <p:nvGrpSpPr>
@@ -19368,7 +19369,7 @@
 </file>
 
 <file path=ppt/slides/slide38.xml><?xml version="1.0" encoding="utf-8"?>
-<p:sld xmlns:a="http://schemas.openxmlformats.org/drawingml/2006/main" xmlns:r="http://schemas.openxmlformats.org/officeDocument/2006/relationships" xmlns:p="http://schemas.openxmlformats.org/presentationml/2006/main">
+<p:sld xmlns:a="http://schemas.openxmlformats.org/drawingml/2006/main" xmlns:r="http://schemas.openxmlformats.org/officeDocument/2006/relationships" xmlns:p="http://schemas.openxmlformats.org/presentationml/2006/main" show="0">
   <p:cSld>
     <p:spTree>
       <p:nvGrpSpPr>
@@ -19855,7 +19856,7 @@
 </file>
 
 <file path=ppt/slides/slide39.xml><?xml version="1.0" encoding="utf-8"?>
-<p:sld xmlns:a="http://schemas.openxmlformats.org/drawingml/2006/main" xmlns:r="http://schemas.openxmlformats.org/officeDocument/2006/relationships" xmlns:p="http://schemas.openxmlformats.org/presentationml/2006/main">
+<p:sld xmlns:a="http://schemas.openxmlformats.org/drawingml/2006/main" xmlns:r="http://schemas.openxmlformats.org/officeDocument/2006/relationships" xmlns:p="http://schemas.openxmlformats.org/presentationml/2006/main" show="0">
   <p:cSld>
     <p:spTree>
       <p:nvGrpSpPr>
@@ -20620,7 +20621,7 @@
               <a:rPr lang="en-CA" dirty="0">
                 <a:latin typeface="Tw Cen MT" panose="020B0602020104020603" pitchFamily="34" charset="0"/>
               </a:rPr>
-              <a:t>PROJECT MILESTONE 2 – 5</a:t>
+              <a:t>PROJECT MILESTONE 2 – 6</a:t>
             </a:r>
             <a:r>
               <a:rPr lang="en-CA" baseline="30000" dirty="0">
@@ -23713,7 +23714,7 @@
         </p:nvSpPr>
         <p:spPr>
           <a:xfrm>
-            <a:off x="731743" y="5818189"/>
+            <a:off x="731743" y="5808762"/>
             <a:ext cx="8596668" cy="3880773"/>
           </a:xfrm>
         </p:spPr>
@@ -23769,10 +23770,10 @@
       </p:pic>
       <p:pic>
         <p:nvPicPr>
-          <p:cNvPr id="27" name="Picture 26">
-            <a:extLst>
-              <a:ext uri="{FF2B5EF4-FFF2-40B4-BE49-F238E27FC236}">
-                <a16:creationId xmlns:a16="http://schemas.microsoft.com/office/drawing/2014/main" id="{9FBE1C44-BD5E-407C-9813-DFD7239BEAF6}"/>
+          <p:cNvPr id="9" name="Picture 8">
+            <a:extLst>
+              <a:ext uri="{FF2B5EF4-FFF2-40B4-BE49-F238E27FC236}">
+                <a16:creationId xmlns:a16="http://schemas.microsoft.com/office/drawing/2014/main" id="{5A2592DC-C3D3-4B61-ACAC-6D9E3EB114F0}"/>
               </a:ext>
             </a:extLst>
           </p:cNvPr>
@@ -23795,8 +23796,8 @@
         </p:blipFill>
         <p:spPr>
           <a:xfrm>
-            <a:off x="6028121" y="1924579"/>
-            <a:ext cx="5821934" cy="2880000"/>
+            <a:off x="6096000" y="1924579"/>
+            <a:ext cx="5760000" cy="2880000"/>
           </a:xfrm>
           <a:prstGeom prst="rect">
             <a:avLst/>
@@ -24074,10 +24075,10 @@
       </p:sp>
       <p:pic>
         <p:nvPicPr>
-          <p:cNvPr id="21" name="Picture 20">
-            <a:extLst>
-              <a:ext uri="{FF2B5EF4-FFF2-40B4-BE49-F238E27FC236}">
-                <a16:creationId xmlns:a16="http://schemas.microsoft.com/office/drawing/2014/main" id="{B21051FE-88FA-4459-85D8-BD99C92C8400}"/>
+          <p:cNvPr id="25" name="Picture 24">
+            <a:extLst>
+              <a:ext uri="{FF2B5EF4-FFF2-40B4-BE49-F238E27FC236}">
+                <a16:creationId xmlns:a16="http://schemas.microsoft.com/office/drawing/2014/main" id="{CC6F6611-78F5-4950-B449-9500D405517B}"/>
               </a:ext>
             </a:extLst>
           </p:cNvPr>
@@ -24110,10 +24111,10 @@
       </p:pic>
       <p:pic>
         <p:nvPicPr>
-          <p:cNvPr id="25" name="Picture 24">
-            <a:extLst>
-              <a:ext uri="{FF2B5EF4-FFF2-40B4-BE49-F238E27FC236}">
-                <a16:creationId xmlns:a16="http://schemas.microsoft.com/office/drawing/2014/main" id="{CC6F6611-78F5-4950-B449-9500D405517B}"/>
+          <p:cNvPr id="9" name="Picture 8">
+            <a:extLst>
+              <a:ext uri="{FF2B5EF4-FFF2-40B4-BE49-F238E27FC236}">
+                <a16:creationId xmlns:a16="http://schemas.microsoft.com/office/drawing/2014/main" id="{AB88F638-1D90-45F4-8E4B-E2615F78E673}"/>
               </a:ext>
             </a:extLst>
           </p:cNvPr>
@@ -24136,8 +24137,8 @@
         </p:blipFill>
         <p:spPr>
           <a:xfrm>
-            <a:off x="182880" y="1924579"/>
-            <a:ext cx="5760000" cy="2880000"/>
+            <a:off x="120167" y="1924579"/>
+            <a:ext cx="5821934" cy="2880000"/>
           </a:xfrm>
           <a:prstGeom prst="rect">
             <a:avLst/>
@@ -25258,6 +25259,36 @@
           </a:p>
           <a:p>
             <a:pPr lvl="1"/>
+            <a:r>
+              <a:rPr lang="en-CA" sz="2200" dirty="0">
+                <a:latin typeface="Tw Cen MT" panose="020B0602020104020603" pitchFamily="34" charset="0"/>
+              </a:rPr>
+              <a:t>Stacking</a:t>
+            </a:r>
+          </a:p>
+          <a:p>
+            <a:pPr lvl="2"/>
+            <a:r>
+              <a:rPr lang="en-CA" sz="2000" dirty="0">
+                <a:latin typeface="Tw Cen MT" panose="020B0602020104020603" pitchFamily="34" charset="0"/>
+              </a:rPr>
+              <a:t>The initial estimators in stacking were chosen to be Naïve </a:t>
+            </a:r>
+            <a:r>
+              <a:rPr lang="en-CA" sz="2000" dirty="0" err="1">
+                <a:latin typeface="Tw Cen MT" panose="020B0602020104020603" pitchFamily="34" charset="0"/>
+              </a:rPr>
+              <a:t>bayes</a:t>
+            </a:r>
+            <a:r>
+              <a:rPr lang="en-CA" sz="2000" dirty="0">
+                <a:latin typeface="Tw Cen MT" panose="020B0602020104020603" pitchFamily="34" charset="0"/>
+              </a:rPr>
+              <a:t> and SVM. The meta learner was Logistic Regression</a:t>
+            </a:r>
+          </a:p>
+          <a:p>
+            <a:pPr lvl="1"/>
             <a:endParaRPr lang="en-CA" sz="2200" dirty="0">
               <a:latin typeface="Tw Cen MT" panose="020B0602020104020603" pitchFamily="34" charset="0"/>
             </a:endParaRPr>
@@ -25268,7 +25299,7 @@
               <a:rPr lang="en-CA" sz="2200" dirty="0">
                 <a:latin typeface="Tw Cen MT" panose="020B0602020104020603" pitchFamily="34" charset="0"/>
               </a:rPr>
-              <a:t>Stacking</a:t>
+              <a:t>Boosting</a:t>
             </a:r>
           </a:p>
           <a:p>
@@ -25277,19 +25308,19 @@
               <a:rPr lang="en-CA" sz="2000" dirty="0">
                 <a:latin typeface="Tw Cen MT" panose="020B0602020104020603" pitchFamily="34" charset="0"/>
               </a:rPr>
-              <a:t>The initial estimators in stacking were chosen to be Naïve </a:t>
+              <a:t>An </a:t>
             </a:r>
             <a:r>
               <a:rPr lang="en-CA" sz="2000" dirty="0" err="1">
                 <a:latin typeface="Tw Cen MT" panose="020B0602020104020603" pitchFamily="34" charset="0"/>
               </a:rPr>
-              <a:t>bayes</a:t>
+              <a:t>Adaboost</a:t>
             </a:r>
             <a:r>
               <a:rPr lang="en-CA" sz="2000" dirty="0">
                 <a:latin typeface="Tw Cen MT" panose="020B0602020104020603" pitchFamily="34" charset="0"/>
               </a:rPr>
-              <a:t> and SVM. The meta learner was Logistic Regression</a:t>
+              <a:t> classifier was used for boosting in this iteration. </a:t>
             </a:r>
           </a:p>
           <a:p>
@@ -25837,7 +25868,7 @@
               <a:rPr lang="en-CA" sz="2800" dirty="0">
                 <a:latin typeface="Tw Cen MT" panose="020B0602020104020603" pitchFamily="34" charset="0"/>
               </a:rPr>
-              <a:t>ENSEMBLE METHODS - RESULTS</a:t>
+              <a:t>ENSEMBLE METHODS vs OTHERS</a:t>
             </a:r>
           </a:p>
         </p:txBody>
@@ -25880,10 +25911,10 @@
       </p:sp>
       <p:pic>
         <p:nvPicPr>
-          <p:cNvPr id="2" name="Picture 1">
-            <a:extLst>
-              <a:ext uri="{FF2B5EF4-FFF2-40B4-BE49-F238E27FC236}">
-                <a16:creationId xmlns:a16="http://schemas.microsoft.com/office/drawing/2014/main" id="{A7268257-C456-4D6F-A14B-DD51B9E83321}"/>
+          <p:cNvPr id="6" name="Picture 5">
+            <a:extLst>
+              <a:ext uri="{FF2B5EF4-FFF2-40B4-BE49-F238E27FC236}">
+                <a16:creationId xmlns:a16="http://schemas.microsoft.com/office/drawing/2014/main" id="{9C7ED1FC-2FA1-4E8B-9D4E-90E2099C8883}"/>
               </a:ext>
             </a:extLst>
           </p:cNvPr>
@@ -25893,15 +25924,57 @@
           <p:nvPr/>
         </p:nvPicPr>
         <p:blipFill>
-          <a:blip r:embed="rId3"/>
+          <a:blip r:embed="rId3">
+            <a:extLst>
+              <a:ext uri="{28A0092B-C50C-407E-A947-70E740481C1C}">
+                <a14:useLocalDpi xmlns:a14="http://schemas.microsoft.com/office/drawing/2010/main" val="0"/>
+              </a:ext>
+            </a:extLst>
+          </a:blip>
           <a:stretch>
             <a:fillRect/>
           </a:stretch>
         </p:blipFill>
         <p:spPr>
           <a:xfrm>
-            <a:off x="2657648" y="1221195"/>
-            <a:ext cx="5236672" cy="5027205"/>
+            <a:off x="7030" y="1760174"/>
+            <a:ext cx="5821935" cy="2880000"/>
+          </a:xfrm>
+          <a:prstGeom prst="rect">
+            <a:avLst/>
+          </a:prstGeom>
+        </p:spPr>
+      </p:pic>
+      <p:pic>
+        <p:nvPicPr>
+          <p:cNvPr id="9" name="Picture 8">
+            <a:extLst>
+              <a:ext uri="{FF2B5EF4-FFF2-40B4-BE49-F238E27FC236}">
+                <a16:creationId xmlns:a16="http://schemas.microsoft.com/office/drawing/2014/main" id="{AB1E557D-4F03-4BB0-9972-6F89000FAEEE}"/>
+              </a:ext>
+            </a:extLst>
+          </p:cNvPr>
+          <p:cNvPicPr>
+            <a:picLocks noChangeAspect="1"/>
+          </p:cNvPicPr>
+          <p:nvPr/>
+        </p:nvPicPr>
+        <p:blipFill>
+          <a:blip r:embed="rId4">
+            <a:extLst>
+              <a:ext uri="{28A0092B-C50C-407E-A947-70E740481C1C}">
+                <a14:useLocalDpi xmlns:a14="http://schemas.microsoft.com/office/drawing/2010/main" val="0"/>
+              </a:ext>
+            </a:extLst>
+          </a:blip>
+          <a:stretch>
+            <a:fillRect/>
+          </a:stretch>
+        </p:blipFill>
+        <p:spPr>
+          <a:xfrm>
+            <a:off x="6103030" y="1762763"/>
+            <a:ext cx="5760000" cy="2880000"/>
           </a:xfrm>
           <a:prstGeom prst="rect">
             <a:avLst/>
@@ -26159,7 +26232,7 @@
         </p:nvSpPr>
         <p:spPr>
           <a:xfrm>
-            <a:off x="731743" y="5818189"/>
+            <a:off x="731743" y="5808762"/>
             <a:ext cx="8596668" cy="3880773"/>
           </a:xfrm>
         </p:spPr>
@@ -26179,10 +26252,10 @@
       </p:sp>
       <p:pic>
         <p:nvPicPr>
-          <p:cNvPr id="2" name="Picture 1">
-            <a:extLst>
-              <a:ext uri="{FF2B5EF4-FFF2-40B4-BE49-F238E27FC236}">
-                <a16:creationId xmlns:a16="http://schemas.microsoft.com/office/drawing/2014/main" id="{A7268257-C456-4D6F-A14B-DD51B9E83321}"/>
+          <p:cNvPr id="6" name="Picture 5">
+            <a:extLst>
+              <a:ext uri="{FF2B5EF4-FFF2-40B4-BE49-F238E27FC236}">
+                <a16:creationId xmlns:a16="http://schemas.microsoft.com/office/drawing/2014/main" id="{1F299FB4-E804-4656-9D4F-11AB99F31CB2}"/>
               </a:ext>
             </a:extLst>
           </p:cNvPr>
@@ -26192,15 +26265,57 @@
           <p:nvPr/>
         </p:nvPicPr>
         <p:blipFill>
-          <a:blip r:embed="rId3"/>
+          <a:blip r:embed="rId3">
+            <a:extLst>
+              <a:ext uri="{28A0092B-C50C-407E-A947-70E740481C1C}">
+                <a14:useLocalDpi xmlns:a14="http://schemas.microsoft.com/office/drawing/2010/main" val="0"/>
+              </a:ext>
+            </a:extLst>
+          </a:blip>
           <a:stretch>
             <a:fillRect/>
           </a:stretch>
         </p:blipFill>
         <p:spPr>
           <a:xfrm>
-            <a:off x="2657648" y="1221195"/>
-            <a:ext cx="5236672" cy="5027205"/>
+            <a:off x="8381" y="1765743"/>
+            <a:ext cx="5821935" cy="2880000"/>
+          </a:xfrm>
+          <a:prstGeom prst="rect">
+            <a:avLst/>
+          </a:prstGeom>
+        </p:spPr>
+      </p:pic>
+      <p:pic>
+        <p:nvPicPr>
+          <p:cNvPr id="10" name="Picture 9">
+            <a:extLst>
+              <a:ext uri="{FF2B5EF4-FFF2-40B4-BE49-F238E27FC236}">
+                <a16:creationId xmlns:a16="http://schemas.microsoft.com/office/drawing/2014/main" id="{5151524D-EF80-4C47-91E9-70FDB2124457}"/>
+              </a:ext>
+            </a:extLst>
+          </p:cNvPr>
+          <p:cNvPicPr>
+            <a:picLocks noChangeAspect="1"/>
+          </p:cNvPicPr>
+          <p:nvPr/>
+        </p:nvPicPr>
+        <p:blipFill>
+          <a:blip r:embed="rId4">
+            <a:extLst>
+              <a:ext uri="{28A0092B-C50C-407E-A947-70E740481C1C}">
+                <a14:useLocalDpi xmlns:a14="http://schemas.microsoft.com/office/drawing/2010/main" val="0"/>
+              </a:ext>
+            </a:extLst>
+          </a:blip>
+          <a:stretch>
+            <a:fillRect/>
+          </a:stretch>
+        </p:blipFill>
+        <p:spPr>
+          <a:xfrm>
+            <a:off x="6100549" y="1765743"/>
+            <a:ext cx="5760000" cy="2880000"/>
           </a:xfrm>
           <a:prstGeom prst="rect">
             <a:avLst/>
@@ -26210,7 +26325,612 @@
     </p:spTree>
     <p:extLst>
       <p:ext uri="{BB962C8B-B14F-4D97-AF65-F5344CB8AC3E}">
-        <p14:creationId xmlns:p14="http://schemas.microsoft.com/office/powerpoint/2010/main" val="3559048807"/>
+        <p14:creationId xmlns:p14="http://schemas.microsoft.com/office/powerpoint/2010/main" val="2170744969"/>
+      </p:ext>
+    </p:extLst>
+  </p:cSld>
+  <p:clrMapOvr>
+    <a:masterClrMapping/>
+  </p:clrMapOvr>
+</p:sld>
+</file>
+
+<file path=ppt/slides/slide52.xml><?xml version="1.0" encoding="utf-8"?>
+<p:sld xmlns:a="http://schemas.openxmlformats.org/drawingml/2006/main" xmlns:r="http://schemas.openxmlformats.org/officeDocument/2006/relationships" xmlns:p="http://schemas.openxmlformats.org/presentationml/2006/main">
+  <p:cSld>
+    <p:spTree>
+      <p:nvGrpSpPr>
+        <p:cNvPr id="1" name=""/>
+        <p:cNvGrpSpPr/>
+        <p:nvPr/>
+      </p:nvGrpSpPr>
+      <p:grpSpPr>
+        <a:xfrm>
+          <a:off x="0" y="0"/>
+          <a:ext cx="0" cy="0"/>
+          <a:chOff x="0" y="0"/>
+          <a:chExt cx="0" cy="0"/>
+        </a:xfrm>
+      </p:grpSpPr>
+      <p:pic>
+        <p:nvPicPr>
+          <p:cNvPr id="5" name="Picture 4">
+            <a:extLst>
+              <a:ext uri="{FF2B5EF4-FFF2-40B4-BE49-F238E27FC236}">
+                <a16:creationId xmlns:a16="http://schemas.microsoft.com/office/drawing/2014/main" id="{506193B0-D684-41FB-9EE5-3A2300775B91}"/>
+              </a:ext>
+            </a:extLst>
+          </p:cNvPr>
+          <p:cNvPicPr>
+            <a:picLocks noChangeAspect="1"/>
+          </p:cNvPicPr>
+          <p:nvPr/>
+        </p:nvPicPr>
+        <p:blipFill>
+          <a:blip r:embed="rId2">
+            <a:extLst>
+              <a:ext uri="{28A0092B-C50C-407E-A947-70E740481C1C}">
+                <a14:useLocalDpi xmlns:a14="http://schemas.microsoft.com/office/drawing/2010/main" val="0"/>
+              </a:ext>
+            </a:extLst>
+          </a:blip>
+          <a:stretch>
+            <a:fillRect/>
+          </a:stretch>
+        </p:blipFill>
+        <p:spPr>
+          <a:xfrm>
+            <a:off x="9534428" y="5901274"/>
+            <a:ext cx="2657572" cy="956726"/>
+          </a:xfrm>
+          <a:prstGeom prst="rect">
+            <a:avLst/>
+          </a:prstGeom>
+        </p:spPr>
+      </p:pic>
+      <p:sp>
+        <p:nvSpPr>
+          <p:cNvPr id="11" name="Slide Number Placeholder 10">
+            <a:extLst>
+              <a:ext uri="{FF2B5EF4-FFF2-40B4-BE49-F238E27FC236}">
+                <a16:creationId xmlns:a16="http://schemas.microsoft.com/office/drawing/2014/main" id="{B0EBD5A8-AFA0-4980-A10C-C82C105F75C8}"/>
+              </a:ext>
+            </a:extLst>
+          </p:cNvPr>
+          <p:cNvSpPr>
+            <a:spLocks noGrp="1"/>
+          </p:cNvSpPr>
+          <p:nvPr>
+            <p:ph type="sldNum" sz="quarter" idx="12"/>
+          </p:nvPr>
+        </p:nvSpPr>
+        <p:spPr/>
+        <p:txBody>
+          <a:bodyPr/>
+          <a:lstStyle/>
+          <a:p>
+            <a:fld id="{0540F40C-19D0-4AE1-B3AF-4A4F01D6E71D}" type="slidenum">
+              <a:rPr lang="en-CA" smtClean="0"/>
+              <a:pPr/>
+              <a:t>52</a:t>
+            </a:fld>
+            <a:endParaRPr lang="en-CA"/>
+          </a:p>
+        </p:txBody>
+      </p:sp>
+      <p:sp>
+        <p:nvSpPr>
+          <p:cNvPr id="4" name="Title 3">
+            <a:extLst>
+              <a:ext uri="{FF2B5EF4-FFF2-40B4-BE49-F238E27FC236}">
+                <a16:creationId xmlns:a16="http://schemas.microsoft.com/office/drawing/2014/main" id="{1CA02F4A-FB97-4CE6-BCBD-2C67DCB8F437}"/>
+              </a:ext>
+            </a:extLst>
+          </p:cNvPr>
+          <p:cNvSpPr>
+            <a:spLocks noGrp="1"/>
+          </p:cNvSpPr>
+          <p:nvPr>
+            <p:ph type="title"/>
+          </p:nvPr>
+        </p:nvSpPr>
+        <p:spPr/>
+        <p:txBody>
+          <a:bodyPr/>
+          <a:lstStyle/>
+          <a:p>
+            <a:r>
+              <a:rPr lang="en-CA" dirty="0"/>
+              <a:t> </a:t>
+            </a:r>
+          </a:p>
+        </p:txBody>
+      </p:sp>
+      <p:sp>
+        <p:nvSpPr>
+          <p:cNvPr id="8" name="Title 1">
+            <a:extLst>
+              <a:ext uri="{FF2B5EF4-FFF2-40B4-BE49-F238E27FC236}">
+                <a16:creationId xmlns:a16="http://schemas.microsoft.com/office/drawing/2014/main" id="{B1FCB866-BEC6-4EA4-A1F7-455F7D408984}"/>
+              </a:ext>
+            </a:extLst>
+          </p:cNvPr>
+          <p:cNvSpPr txBox="1">
+            <a:spLocks/>
+          </p:cNvSpPr>
+          <p:nvPr/>
+        </p:nvSpPr>
+        <p:spPr>
+          <a:xfrm>
+            <a:off x="174576" y="259133"/>
+            <a:ext cx="9711004" cy="568751"/>
+          </a:xfrm>
+          <a:prstGeom prst="rect">
+            <a:avLst/>
+          </a:prstGeom>
+        </p:spPr>
+        <p:txBody>
+          <a:bodyPr vert="horz" lIns="91440" tIns="45720" rIns="91440" bIns="45720" rtlCol="0" anchor="t">
+            <a:noAutofit/>
+          </a:bodyPr>
+          <a:lstStyle>
+            <a:lvl1pPr algn="l" defTabSz="457200" rtl="0" eaLnBrk="1" latinLnBrk="0" hangingPunct="1">
+              <a:spcBef>
+                <a:spcPct val="0"/>
+              </a:spcBef>
+              <a:buNone/>
+              <a:defRPr sz="3600" kern="1200">
+                <a:solidFill>
+                  <a:schemeClr val="accent1"/>
+                </a:solidFill>
+                <a:latin typeface="+mj-lt"/>
+                <a:ea typeface="+mj-ea"/>
+                <a:cs typeface="+mj-cs"/>
+              </a:defRPr>
+            </a:lvl1pPr>
+            <a:lvl2pPr eaLnBrk="1" hangingPunct="1">
+              <a:defRPr>
+                <a:solidFill>
+                  <a:schemeClr val="tx2"/>
+                </a:solidFill>
+              </a:defRPr>
+            </a:lvl2pPr>
+            <a:lvl3pPr eaLnBrk="1" hangingPunct="1">
+              <a:defRPr>
+                <a:solidFill>
+                  <a:schemeClr val="tx2"/>
+                </a:solidFill>
+              </a:defRPr>
+            </a:lvl3pPr>
+            <a:lvl4pPr eaLnBrk="1" hangingPunct="1">
+              <a:defRPr>
+                <a:solidFill>
+                  <a:schemeClr val="tx2"/>
+                </a:solidFill>
+              </a:defRPr>
+            </a:lvl4pPr>
+            <a:lvl5pPr eaLnBrk="1" hangingPunct="1">
+              <a:defRPr>
+                <a:solidFill>
+                  <a:schemeClr val="tx2"/>
+                </a:solidFill>
+              </a:defRPr>
+            </a:lvl5pPr>
+            <a:lvl6pPr eaLnBrk="1" hangingPunct="1">
+              <a:defRPr>
+                <a:solidFill>
+                  <a:schemeClr val="tx2"/>
+                </a:solidFill>
+              </a:defRPr>
+            </a:lvl6pPr>
+            <a:lvl7pPr eaLnBrk="1" hangingPunct="1">
+              <a:defRPr>
+                <a:solidFill>
+                  <a:schemeClr val="tx2"/>
+                </a:solidFill>
+              </a:defRPr>
+            </a:lvl7pPr>
+            <a:lvl8pPr eaLnBrk="1" hangingPunct="1">
+              <a:defRPr>
+                <a:solidFill>
+                  <a:schemeClr val="tx2"/>
+                </a:solidFill>
+              </a:defRPr>
+            </a:lvl8pPr>
+            <a:lvl9pPr eaLnBrk="1" hangingPunct="1">
+              <a:defRPr>
+                <a:solidFill>
+                  <a:schemeClr val="tx2"/>
+                </a:solidFill>
+              </a:defRPr>
+            </a:lvl9pPr>
+          </a:lstStyle>
+          <a:p>
+            <a:r>
+              <a:rPr lang="en-CA" sz="2800" dirty="0">
+                <a:latin typeface="Tw Cen MT" panose="020B0602020104020603" pitchFamily="34" charset="0"/>
+              </a:rPr>
+              <a:t>ENSEMBLE METHODS vs OTHERS</a:t>
+            </a:r>
+          </a:p>
+        </p:txBody>
+      </p:sp>
+      <p:sp>
+        <p:nvSpPr>
+          <p:cNvPr id="3" name="Content Placeholder 2">
+            <a:extLst>
+              <a:ext uri="{FF2B5EF4-FFF2-40B4-BE49-F238E27FC236}">
+                <a16:creationId xmlns:a16="http://schemas.microsoft.com/office/drawing/2014/main" id="{8BD9DEA0-8EFE-4198-8B10-519F51925130}"/>
+              </a:ext>
+            </a:extLst>
+          </p:cNvPr>
+          <p:cNvSpPr>
+            <a:spLocks noGrp="1"/>
+          </p:cNvSpPr>
+          <p:nvPr>
+            <p:ph idx="1"/>
+          </p:nvPr>
+        </p:nvSpPr>
+        <p:spPr>
+          <a:xfrm>
+            <a:off x="731743" y="5818189"/>
+            <a:ext cx="8596668" cy="3880773"/>
+          </a:xfrm>
+        </p:spPr>
+        <p:txBody>
+          <a:bodyPr/>
+          <a:lstStyle/>
+          <a:p>
+            <a:pPr marL="0" indent="0">
+              <a:buNone/>
+            </a:pPr>
+            <a:r>
+              <a:rPr lang="en-CA" dirty="0"/>
+              <a:t> </a:t>
+            </a:r>
+          </a:p>
+        </p:txBody>
+      </p:sp>
+      <p:pic>
+        <p:nvPicPr>
+          <p:cNvPr id="6" name="Picture 5">
+            <a:extLst>
+              <a:ext uri="{FF2B5EF4-FFF2-40B4-BE49-F238E27FC236}">
+                <a16:creationId xmlns:a16="http://schemas.microsoft.com/office/drawing/2014/main" id="{B1350752-AF0D-4C57-AD2C-CCD2C1B65414}"/>
+              </a:ext>
+            </a:extLst>
+          </p:cNvPr>
+          <p:cNvPicPr>
+            <a:picLocks noChangeAspect="1"/>
+          </p:cNvPicPr>
+          <p:nvPr/>
+        </p:nvPicPr>
+        <p:blipFill>
+          <a:blip r:embed="rId3">
+            <a:extLst>
+              <a:ext uri="{28A0092B-C50C-407E-A947-70E740481C1C}">
+                <a14:useLocalDpi xmlns:a14="http://schemas.microsoft.com/office/drawing/2010/main" val="0"/>
+              </a:ext>
+            </a:extLst>
+          </a:blip>
+          <a:stretch>
+            <a:fillRect/>
+          </a:stretch>
+        </p:blipFill>
+        <p:spPr>
+          <a:xfrm>
+            <a:off x="20320" y="1761858"/>
+            <a:ext cx="5790968" cy="2880000"/>
+          </a:xfrm>
+          <a:prstGeom prst="rect">
+            <a:avLst/>
+          </a:prstGeom>
+        </p:spPr>
+      </p:pic>
+      <p:sp>
+        <p:nvSpPr>
+          <p:cNvPr id="10" name="Content Placeholder 2">
+            <a:extLst>
+              <a:ext uri="{FF2B5EF4-FFF2-40B4-BE49-F238E27FC236}">
+                <a16:creationId xmlns:a16="http://schemas.microsoft.com/office/drawing/2014/main" id="{3C65BAFC-2117-45C8-99CB-4543F34A9E72}"/>
+              </a:ext>
+            </a:extLst>
+          </p:cNvPr>
+          <p:cNvSpPr txBox="1">
+            <a:spLocks/>
+          </p:cNvSpPr>
+          <p:nvPr/>
+        </p:nvSpPr>
+        <p:spPr>
+          <a:xfrm>
+            <a:off x="6186835" y="1555418"/>
+            <a:ext cx="3392956" cy="3747164"/>
+          </a:xfrm>
+          <a:prstGeom prst="rect">
+            <a:avLst/>
+          </a:prstGeom>
+        </p:spPr>
+        <p:txBody>
+          <a:bodyPr vert="horz" lIns="91440" tIns="45720" rIns="91440" bIns="45720" rtlCol="0">
+            <a:noAutofit/>
+          </a:bodyPr>
+          <a:lstStyle>
+            <a:lvl1pPr marL="342900" indent="-342900" algn="l" defTabSz="457200" rtl="0" eaLnBrk="1" latinLnBrk="0" hangingPunct="1">
+              <a:spcBef>
+                <a:spcPts val="1000"/>
+              </a:spcBef>
+              <a:spcAft>
+                <a:spcPts val="0"/>
+              </a:spcAft>
+              <a:buClr>
+                <a:schemeClr val="accent1"/>
+              </a:buClr>
+              <a:buSzPct val="80000"/>
+              <a:buFont typeface="Wingdings 3" charset="2"/>
+              <a:buChar char=""/>
+              <a:defRPr sz="1800" kern="1200">
+                <a:solidFill>
+                  <a:schemeClr val="tx1">
+                    <a:lumMod val="75000"/>
+                    <a:lumOff val="25000"/>
+                  </a:schemeClr>
+                </a:solidFill>
+                <a:latin typeface="+mn-lt"/>
+                <a:ea typeface="+mn-ea"/>
+                <a:cs typeface="+mn-cs"/>
+              </a:defRPr>
+            </a:lvl1pPr>
+            <a:lvl2pPr marL="742950" indent="-285750" algn="l" defTabSz="457200" rtl="0" eaLnBrk="1" latinLnBrk="0" hangingPunct="1">
+              <a:spcBef>
+                <a:spcPts val="1000"/>
+              </a:spcBef>
+              <a:spcAft>
+                <a:spcPts val="0"/>
+              </a:spcAft>
+              <a:buClr>
+                <a:schemeClr val="accent1"/>
+              </a:buClr>
+              <a:buSzPct val="80000"/>
+              <a:buFont typeface="Wingdings 3" charset="2"/>
+              <a:buChar char=""/>
+              <a:defRPr sz="1600" kern="1200">
+                <a:solidFill>
+                  <a:schemeClr val="tx1">
+                    <a:lumMod val="75000"/>
+                    <a:lumOff val="25000"/>
+                  </a:schemeClr>
+                </a:solidFill>
+                <a:latin typeface="+mn-lt"/>
+                <a:ea typeface="+mn-ea"/>
+                <a:cs typeface="+mn-cs"/>
+              </a:defRPr>
+            </a:lvl2pPr>
+            <a:lvl3pPr marL="1143000" indent="-228600" algn="l" defTabSz="457200" rtl="0" eaLnBrk="1" latinLnBrk="0" hangingPunct="1">
+              <a:spcBef>
+                <a:spcPts val="1000"/>
+              </a:spcBef>
+              <a:spcAft>
+                <a:spcPts val="0"/>
+              </a:spcAft>
+              <a:buClr>
+                <a:schemeClr val="accent1"/>
+              </a:buClr>
+              <a:buSzPct val="80000"/>
+              <a:buFont typeface="Wingdings 3" charset="2"/>
+              <a:buChar char=""/>
+              <a:defRPr sz="1400" kern="1200">
+                <a:solidFill>
+                  <a:schemeClr val="tx1">
+                    <a:lumMod val="75000"/>
+                    <a:lumOff val="25000"/>
+                  </a:schemeClr>
+                </a:solidFill>
+                <a:latin typeface="+mn-lt"/>
+                <a:ea typeface="+mn-ea"/>
+                <a:cs typeface="+mn-cs"/>
+              </a:defRPr>
+            </a:lvl3pPr>
+            <a:lvl4pPr marL="1600200" indent="-228600" algn="l" defTabSz="457200" rtl="0" eaLnBrk="1" latinLnBrk="0" hangingPunct="1">
+              <a:spcBef>
+                <a:spcPts val="1000"/>
+              </a:spcBef>
+              <a:spcAft>
+                <a:spcPts val="0"/>
+              </a:spcAft>
+              <a:buClr>
+                <a:schemeClr val="accent1"/>
+              </a:buClr>
+              <a:buSzPct val="80000"/>
+              <a:buFont typeface="Wingdings 3" charset="2"/>
+              <a:buChar char=""/>
+              <a:defRPr sz="1200" kern="1200">
+                <a:solidFill>
+                  <a:schemeClr val="tx1">
+                    <a:lumMod val="75000"/>
+                    <a:lumOff val="25000"/>
+                  </a:schemeClr>
+                </a:solidFill>
+                <a:latin typeface="+mn-lt"/>
+                <a:ea typeface="+mn-ea"/>
+                <a:cs typeface="+mn-cs"/>
+              </a:defRPr>
+            </a:lvl4pPr>
+            <a:lvl5pPr marL="2057400" indent="-228600" algn="l" defTabSz="457200" rtl="0" eaLnBrk="1" latinLnBrk="0" hangingPunct="1">
+              <a:spcBef>
+                <a:spcPts val="1000"/>
+              </a:spcBef>
+              <a:spcAft>
+                <a:spcPts val="0"/>
+              </a:spcAft>
+              <a:buClr>
+                <a:schemeClr val="accent1"/>
+              </a:buClr>
+              <a:buSzPct val="80000"/>
+              <a:buFont typeface="Wingdings 3" charset="2"/>
+              <a:buChar char=""/>
+              <a:defRPr sz="1200" kern="1200">
+                <a:solidFill>
+                  <a:schemeClr val="tx1">
+                    <a:lumMod val="75000"/>
+                    <a:lumOff val="25000"/>
+                  </a:schemeClr>
+                </a:solidFill>
+                <a:latin typeface="+mn-lt"/>
+                <a:ea typeface="+mn-ea"/>
+                <a:cs typeface="+mn-cs"/>
+              </a:defRPr>
+            </a:lvl5pPr>
+            <a:lvl6pPr marL="2514600" indent="-228600" algn="l" defTabSz="457200" rtl="0" eaLnBrk="1" latinLnBrk="0" hangingPunct="1">
+              <a:spcBef>
+                <a:spcPts val="1000"/>
+              </a:spcBef>
+              <a:spcAft>
+                <a:spcPts val="0"/>
+              </a:spcAft>
+              <a:buClr>
+                <a:schemeClr val="accent1"/>
+              </a:buClr>
+              <a:buSzPct val="80000"/>
+              <a:buFont typeface="Wingdings 3" charset="2"/>
+              <a:buChar char=""/>
+              <a:defRPr sz="1200" kern="1200">
+                <a:solidFill>
+                  <a:schemeClr val="tx1">
+                    <a:lumMod val="75000"/>
+                    <a:lumOff val="25000"/>
+                  </a:schemeClr>
+                </a:solidFill>
+                <a:latin typeface="+mn-lt"/>
+                <a:ea typeface="+mn-ea"/>
+                <a:cs typeface="+mn-cs"/>
+              </a:defRPr>
+            </a:lvl6pPr>
+            <a:lvl7pPr marL="2971800" indent="-228600" algn="l" defTabSz="457200" rtl="0" eaLnBrk="1" latinLnBrk="0" hangingPunct="1">
+              <a:spcBef>
+                <a:spcPts val="1000"/>
+              </a:spcBef>
+              <a:spcAft>
+                <a:spcPts val="0"/>
+              </a:spcAft>
+              <a:buClr>
+                <a:schemeClr val="accent1"/>
+              </a:buClr>
+              <a:buSzPct val="80000"/>
+              <a:buFont typeface="Wingdings 3" charset="2"/>
+              <a:buChar char=""/>
+              <a:defRPr sz="1200" kern="1200">
+                <a:solidFill>
+                  <a:schemeClr val="tx1">
+                    <a:lumMod val="75000"/>
+                    <a:lumOff val="25000"/>
+                  </a:schemeClr>
+                </a:solidFill>
+                <a:latin typeface="+mn-lt"/>
+                <a:ea typeface="+mn-ea"/>
+                <a:cs typeface="+mn-cs"/>
+              </a:defRPr>
+            </a:lvl7pPr>
+            <a:lvl8pPr marL="3429000" indent="-228600" algn="l" defTabSz="457200" rtl="0" eaLnBrk="1" latinLnBrk="0" hangingPunct="1">
+              <a:spcBef>
+                <a:spcPts val="1000"/>
+              </a:spcBef>
+              <a:spcAft>
+                <a:spcPts val="0"/>
+              </a:spcAft>
+              <a:buClr>
+                <a:schemeClr val="accent1"/>
+              </a:buClr>
+              <a:buSzPct val="80000"/>
+              <a:buFont typeface="Wingdings 3" charset="2"/>
+              <a:buChar char=""/>
+              <a:defRPr sz="1200" kern="1200">
+                <a:solidFill>
+                  <a:schemeClr val="tx1">
+                    <a:lumMod val="75000"/>
+                    <a:lumOff val="25000"/>
+                  </a:schemeClr>
+                </a:solidFill>
+                <a:latin typeface="+mn-lt"/>
+                <a:ea typeface="+mn-ea"/>
+                <a:cs typeface="+mn-cs"/>
+              </a:defRPr>
+            </a:lvl8pPr>
+            <a:lvl9pPr marL="3886200" indent="-228600" algn="l" defTabSz="457200" rtl="0" eaLnBrk="1" latinLnBrk="0" hangingPunct="1">
+              <a:spcBef>
+                <a:spcPts val="1000"/>
+              </a:spcBef>
+              <a:spcAft>
+                <a:spcPts val="0"/>
+              </a:spcAft>
+              <a:buClr>
+                <a:schemeClr val="accent1"/>
+              </a:buClr>
+              <a:buSzPct val="80000"/>
+              <a:buFont typeface="Wingdings 3" charset="2"/>
+              <a:buChar char=""/>
+              <a:defRPr sz="1200" kern="1200">
+                <a:solidFill>
+                  <a:schemeClr val="tx1">
+                    <a:lumMod val="75000"/>
+                    <a:lumOff val="25000"/>
+                  </a:schemeClr>
+                </a:solidFill>
+                <a:latin typeface="+mn-lt"/>
+                <a:ea typeface="+mn-ea"/>
+                <a:cs typeface="+mn-cs"/>
+              </a:defRPr>
+            </a:lvl9pPr>
+          </a:lstStyle>
+          <a:p>
+            <a:r>
+              <a:rPr lang="en-CA" sz="1600" dirty="0">
+                <a:latin typeface="Tw Cen MT" panose="020B0602020104020603" pitchFamily="34" charset="0"/>
+              </a:rPr>
+              <a:t>Based on the metrics seen so far, it is clear that “Bagging” ensemble method is the algorithm of choice</a:t>
+            </a:r>
+          </a:p>
+          <a:p>
+            <a:endParaRPr lang="en-CA" sz="1600" dirty="0">
+              <a:latin typeface="Tw Cen MT" panose="020B0602020104020603" pitchFamily="34" charset="0"/>
+            </a:endParaRPr>
+          </a:p>
+          <a:p>
+            <a:r>
+              <a:rPr lang="en-CA" sz="1600" dirty="0">
+                <a:latin typeface="Tw Cen MT" panose="020B0602020104020603" pitchFamily="34" charset="0"/>
+              </a:rPr>
+              <a:t>Stacking and Bagging perform almost similarly in terms of F1 Score, ROC AUC, Precision &amp; Recall</a:t>
+            </a:r>
+          </a:p>
+          <a:p>
+            <a:endParaRPr lang="en-CA" sz="1600" dirty="0">
+              <a:latin typeface="Tw Cen MT" panose="020B0602020104020603" pitchFamily="34" charset="0"/>
+            </a:endParaRPr>
+          </a:p>
+          <a:p>
+            <a:r>
+              <a:rPr lang="en-CA" sz="1600" dirty="0">
+                <a:latin typeface="Tw Cen MT" panose="020B0602020104020603" pitchFamily="34" charset="0"/>
+              </a:rPr>
+              <a:t>However, in terms of Fit time, stacking took almost 25 minutes to fit, while bagging took just over 3.5 mins</a:t>
+            </a:r>
+          </a:p>
+          <a:p>
+            <a:endParaRPr lang="en-CA" sz="1600" dirty="0">
+              <a:latin typeface="Tw Cen MT" panose="020B0602020104020603" pitchFamily="34" charset="0"/>
+            </a:endParaRPr>
+          </a:p>
+          <a:p>
+            <a:endParaRPr lang="en-CA" sz="1600" dirty="0">
+              <a:latin typeface="Tw Cen MT" panose="020B0602020104020603" pitchFamily="34" charset="0"/>
+            </a:endParaRPr>
+          </a:p>
+        </p:txBody>
+      </p:sp>
+    </p:spTree>
+    <p:extLst>
+      <p:ext uri="{BB962C8B-B14F-4D97-AF65-F5344CB8AC3E}">
+        <p14:creationId xmlns:p14="http://schemas.microsoft.com/office/powerpoint/2010/main" val="1588180185"/>
       </p:ext>
     </p:extLst>
   </p:cSld>
